--- a/Poster/MyPoster.pptx
+++ b/Poster/MyPoster.pptx
@@ -3216,7 +3216,7 @@
         <p:spPr>
           <a:xfrm>
             <a:off x="166595" y="5688618"/>
-            <a:ext cx="2944178" cy="2889258"/>
+            <a:ext cx="2944178" cy="2651818"/>
           </a:xfrm>
           <a:prstGeom prst="roundRect">
             <a:avLst/>
@@ -3399,7 +3399,29 @@
                 <a:ea typeface="Tahoma" pitchFamily="34" charset="0"/>
                 <a:cs typeface="Arial" pitchFamily="34" charset="0"/>
               </a:rPr>
-              <a:t> ransomware text attacks. </a:t>
+              <a:t> ransomware text attacks. (all my files on </a:t>
+            </a:r>
+            <a:r>
+              <a:rPr lang="en-US" sz="1200" dirty="0" err="1">
+                <a:solidFill>
+                  <a:prstClr val="black"/>
+                </a:solidFill>
+                <a:latin typeface="Arial" pitchFamily="34" charset="0"/>
+                <a:ea typeface="Tahoma" pitchFamily="34" charset="0"/>
+                <a:cs typeface="Arial" pitchFamily="34" charset="0"/>
+              </a:rPr>
+              <a:t>github</a:t>
+            </a:r>
+            <a:r>
+              <a:rPr lang="en-US" sz="1200" dirty="0">
+                <a:solidFill>
+                  <a:prstClr val="black"/>
+                </a:solidFill>
+                <a:latin typeface="Arial" pitchFamily="34" charset="0"/>
+                <a:ea typeface="Tahoma" pitchFamily="34" charset="0"/>
+                <a:cs typeface="Arial" pitchFamily="34" charset="0"/>
+              </a:rPr>
+              <a:t>) </a:t>
             </a:r>
             <a:br>
               <a:rPr lang="en-US" sz="1200" dirty="0">
@@ -3867,7 +3889,7 @@
         </p:nvSpPr>
         <p:spPr>
           <a:xfrm>
-            <a:off x="3575953" y="4867808"/>
+            <a:off x="3536508" y="5002000"/>
             <a:ext cx="3115448" cy="1466925"/>
           </a:xfrm>
           <a:prstGeom prst="roundRect">

--- a/Poster/MyPoster.pptx
+++ b/Poster/MyPoster.pptx
@@ -3399,29 +3399,7 @@
                 <a:ea typeface="Tahoma" pitchFamily="34" charset="0"/>
                 <a:cs typeface="Arial" pitchFamily="34" charset="0"/>
               </a:rPr>
-              <a:t> ransomware text attacks. (all my files on </a:t>
-            </a:r>
-            <a:r>
-              <a:rPr lang="en-US" sz="1200" dirty="0" err="1">
-                <a:solidFill>
-                  <a:prstClr val="black"/>
-                </a:solidFill>
-                <a:latin typeface="Arial" pitchFamily="34" charset="0"/>
-                <a:ea typeface="Tahoma" pitchFamily="34" charset="0"/>
-                <a:cs typeface="Arial" pitchFamily="34" charset="0"/>
-              </a:rPr>
-              <a:t>github</a:t>
-            </a:r>
-            <a:r>
-              <a:rPr lang="en-US" sz="1200" dirty="0">
-                <a:solidFill>
-                  <a:prstClr val="black"/>
-                </a:solidFill>
-                <a:latin typeface="Arial" pitchFamily="34" charset="0"/>
-                <a:ea typeface="Tahoma" pitchFamily="34" charset="0"/>
-                <a:cs typeface="Arial" pitchFamily="34" charset="0"/>
-              </a:rPr>
-              <a:t>) </a:t>
+              <a:t> ransomware text attacks. (you can find it on GitHub) </a:t>
             </a:r>
             <a:br>
               <a:rPr lang="en-US" sz="1200" dirty="0">

--- a/Poster/MyPoster.pptx
+++ b/Poster/MyPoster.pptx
@@ -255,7 +255,7 @@
           <a:p>
             <a:fld id="{73EE89F4-C31D-45E3-BFAA-D8E8790DFB86}" type="datetimeFigureOut">
               <a:rPr lang="en-US" smtClean="0"/>
-              <a:t>6/15/2020</a:t>
+              <a:t>6/17/2020</a:t>
             </a:fld>
             <a:endParaRPr lang="en-US"/>
           </a:p>
@@ -425,7 +425,7 @@
           <a:p>
             <a:fld id="{73EE89F4-C31D-45E3-BFAA-D8E8790DFB86}" type="datetimeFigureOut">
               <a:rPr lang="en-US" smtClean="0"/>
-              <a:t>6/15/2020</a:t>
+              <a:t>6/17/2020</a:t>
             </a:fld>
             <a:endParaRPr lang="en-US"/>
           </a:p>
@@ -605,7 +605,7 @@
           <a:p>
             <a:fld id="{73EE89F4-C31D-45E3-BFAA-D8E8790DFB86}" type="datetimeFigureOut">
               <a:rPr lang="en-US" smtClean="0"/>
-              <a:t>6/15/2020</a:t>
+              <a:t>6/17/2020</a:t>
             </a:fld>
             <a:endParaRPr lang="en-US"/>
           </a:p>
@@ -775,7 +775,7 @@
           <a:p>
             <a:fld id="{73EE89F4-C31D-45E3-BFAA-D8E8790DFB86}" type="datetimeFigureOut">
               <a:rPr lang="en-US" smtClean="0"/>
-              <a:t>6/15/2020</a:t>
+              <a:t>6/17/2020</a:t>
             </a:fld>
             <a:endParaRPr lang="en-US"/>
           </a:p>
@@ -1019,7 +1019,7 @@
           <a:p>
             <a:fld id="{73EE89F4-C31D-45E3-BFAA-D8E8790DFB86}" type="datetimeFigureOut">
               <a:rPr lang="en-US" smtClean="0"/>
-              <a:t>6/15/2020</a:t>
+              <a:t>6/17/2020</a:t>
             </a:fld>
             <a:endParaRPr lang="en-US"/>
           </a:p>
@@ -1251,7 +1251,7 @@
           <a:p>
             <a:fld id="{73EE89F4-C31D-45E3-BFAA-D8E8790DFB86}" type="datetimeFigureOut">
               <a:rPr lang="en-US" smtClean="0"/>
-              <a:t>6/15/2020</a:t>
+              <a:t>6/17/2020</a:t>
             </a:fld>
             <a:endParaRPr lang="en-US"/>
           </a:p>
@@ -1618,7 +1618,7 @@
           <a:p>
             <a:fld id="{73EE89F4-C31D-45E3-BFAA-D8E8790DFB86}" type="datetimeFigureOut">
               <a:rPr lang="en-US" smtClean="0"/>
-              <a:t>6/15/2020</a:t>
+              <a:t>6/17/2020</a:t>
             </a:fld>
             <a:endParaRPr lang="en-US"/>
           </a:p>
@@ -1736,7 +1736,7 @@
           <a:p>
             <a:fld id="{73EE89F4-C31D-45E3-BFAA-D8E8790DFB86}" type="datetimeFigureOut">
               <a:rPr lang="en-US" smtClean="0"/>
-              <a:t>6/15/2020</a:t>
+              <a:t>6/17/2020</a:t>
             </a:fld>
             <a:endParaRPr lang="en-US"/>
           </a:p>
@@ -1831,7 +1831,7 @@
           <a:p>
             <a:fld id="{73EE89F4-C31D-45E3-BFAA-D8E8790DFB86}" type="datetimeFigureOut">
               <a:rPr lang="en-US" smtClean="0"/>
-              <a:t>6/15/2020</a:t>
+              <a:t>6/17/2020</a:t>
             </a:fld>
             <a:endParaRPr lang="en-US"/>
           </a:p>
@@ -2108,7 +2108,7 @@
           <a:p>
             <a:fld id="{73EE89F4-C31D-45E3-BFAA-D8E8790DFB86}" type="datetimeFigureOut">
               <a:rPr lang="en-US" smtClean="0"/>
-              <a:t>6/15/2020</a:t>
+              <a:t>6/17/2020</a:t>
             </a:fld>
             <a:endParaRPr lang="en-US"/>
           </a:p>
@@ -2365,7 +2365,7 @@
           <a:p>
             <a:fld id="{73EE89F4-C31D-45E3-BFAA-D8E8790DFB86}" type="datetimeFigureOut">
               <a:rPr lang="en-US" smtClean="0"/>
-              <a:t>6/15/2020</a:t>
+              <a:t>6/17/2020</a:t>
             </a:fld>
             <a:endParaRPr lang="en-US"/>
           </a:p>
@@ -2578,7 +2578,7 @@
           <a:p>
             <a:fld id="{73EE89F4-C31D-45E3-BFAA-D8E8790DFB86}" type="datetimeFigureOut">
               <a:rPr lang="en-US" smtClean="0"/>
-              <a:t>6/15/2020</a:t>
+              <a:t>6/17/2020</a:t>
             </a:fld>
             <a:endParaRPr lang="en-US"/>
           </a:p>
@@ -3145,8 +3145,8 @@
         </p:nvSpPr>
         <p:spPr>
           <a:xfrm>
-            <a:off x="3539366" y="1502750"/>
-            <a:ext cx="3152036" cy="1466925"/>
+            <a:off x="3539365" y="1439775"/>
+            <a:ext cx="3152036" cy="1198198"/>
           </a:xfrm>
           <a:prstGeom prst="roundRect">
             <a:avLst/>
@@ -3178,7 +3178,7 @@
           <a:lstStyle/>
           <a:p>
             <a:r>
-              <a:rPr lang="en-GB" dirty="0"/>
+              <a:rPr lang="en-GB" sz="1600" b="1" u="sng" dirty="0"/>
               <a:t>Motivation:</a:t>
             </a:r>
           </a:p>
@@ -3215,8 +3215,8 @@
         </p:nvSpPr>
         <p:spPr>
           <a:xfrm>
-            <a:off x="166595" y="5688618"/>
-            <a:ext cx="2944178" cy="2651818"/>
+            <a:off x="166596" y="5626273"/>
+            <a:ext cx="2944178" cy="2889258"/>
           </a:xfrm>
           <a:prstGeom prst="roundRect">
             <a:avLst/>
@@ -3241,35 +3241,69 @@
           <a:bodyPr rtlCol="1" anchor="t"/>
           <a:lstStyle/>
           <a:p>
-            <a:endParaRPr lang="en-GB" dirty="0"/>
-          </a:p>
-          <a:p>
-            <a:r>
-              <a:rPr lang="en-GB" dirty="0"/>
-              <a:t> Related work:</a:t>
-            </a:r>
-          </a:p>
-          <a:p>
+            <a:r>
+              <a:rPr lang="en-GB" sz="1600" b="1" u="sng" dirty="0"/>
+              <a:t>Related work:</a:t>
+            </a:r>
+          </a:p>
+          <a:p>
+            <a:pPr algn="ctr"/>
+            <a:r>
+              <a:rPr lang="en-GB" sz="1200" b="1" u="sng" dirty="0"/>
+              <a:t>"2entFOX A Framework for High Survivable”</a:t>
+            </a:r>
+            <a:r>
+              <a:rPr lang="he-IL" sz="1200" b="1" u="sng" dirty="0"/>
+              <a:t> </a:t>
+            </a:r>
+          </a:p>
+          <a:p>
+            <a:r>
+              <a:rPr lang="en-GB" sz="1200" dirty="0"/>
+              <a:t>article they used Bayesian network with 20 CPT that containing common scenarios to check in high </a:t>
+            </a:r>
+            <a:r>
+              <a:rPr lang="en-GB" sz="1200" dirty="0">
+                <a:solidFill>
+                  <a:srgbClr val="222222"/>
+                </a:solidFill>
+                <a:latin typeface="arial" panose="020B0604020202020204" pitchFamily="34" charset="0"/>
+              </a:rPr>
+              <a:t>Probability</a:t>
+            </a:r>
+            <a:r>
+              <a:rPr lang="en-GB" sz="1200" dirty="0"/>
+              <a:t> if we attacked</a:t>
+            </a:r>
+          </a:p>
+          <a:p>
+            <a:pPr algn="ctr"/>
+            <a:r>
+              <a:rPr lang="en-GB" sz="1200" dirty="0"/>
+              <a:t> </a:t>
+            </a:r>
+            <a:r>
+              <a:rPr lang="en-GB" sz="1200" b="1" u="sng" dirty="0"/>
+              <a:t>"CryptoLock (and Drop It) Stopping Ransomware Attacks on User Data"</a:t>
+            </a:r>
+            <a:endParaRPr lang="he-IL" sz="1200" b="1" u="sng" dirty="0"/>
+          </a:p>
+          <a:p>
+            <a:r>
+              <a:rPr lang="en-GB" sz="1200" dirty="0"/>
+              <a:t>Cryptolock software based on 3 main Indicators : if file type is changed , Shannon Entropy when file is uncertainty , Copy source file and comparison (should be Totally equal)</a:t>
+            </a:r>
             <a:br>
-              <a:rPr lang="en-US" sz="1200" b="1" dirty="0">
-                <a:latin typeface="Arial" pitchFamily="34" charset="0"/>
-                <a:ea typeface="Tahoma" pitchFamily="34" charset="0"/>
-                <a:cs typeface="Arial" pitchFamily="34" charset="0"/>
-              </a:rPr>
+              <a:rPr lang="en-US" sz="1200" dirty="0"/>
             </a:br>
             <a:r>
-              <a:rPr lang="he-IL" sz="1200" b="1" dirty="0">
-                <a:latin typeface="Arial" pitchFamily="34" charset="0"/>
-                <a:ea typeface="Tahoma" pitchFamily="34" charset="0"/>
-                <a:cs typeface="Arial" pitchFamily="34" charset="0"/>
-              </a:rPr>
+              <a:rPr lang="he-IL" sz="1200" dirty="0"/>
               <a:t> </a:t>
             </a:r>
-            <a:endParaRPr lang="en-US" sz="1200" b="1" dirty="0">
-              <a:latin typeface="Arial" pitchFamily="34" charset="0"/>
-              <a:ea typeface="Tahoma" pitchFamily="34" charset="0"/>
-              <a:cs typeface="Arial" pitchFamily="34" charset="0"/>
-            </a:endParaRPr>
+            <a:r>
+              <a:rPr lang="en-US" sz="1200" dirty="0"/>
+              <a:t> </a:t>
+            </a:r>
           </a:p>
         </p:txBody>
       </p:sp>
@@ -3281,8 +3315,8 @@
         </p:nvSpPr>
         <p:spPr>
           <a:xfrm>
-            <a:off x="3539366" y="3185279"/>
-            <a:ext cx="3115448" cy="1466925"/>
+            <a:off x="3575953" y="2731657"/>
+            <a:ext cx="3115448" cy="5783874"/>
           </a:xfrm>
           <a:prstGeom prst="roundRect">
             <a:avLst/>
@@ -3313,20 +3347,87 @@
           <a:bodyPr rtlCol="1" anchor="t"/>
           <a:lstStyle/>
           <a:p>
+            <a:pPr>
+              <a:defRPr/>
+            </a:pPr>
+            <a:r>
+              <a:rPr lang="en-US" sz="1600" b="1" u="sng" dirty="0"/>
+              <a:t>Overview</a:t>
+            </a:r>
+            <a:r>
+              <a:rPr lang="en-US" b="1" u="sng" dirty="0"/>
+              <a:t>:</a:t>
+            </a:r>
+          </a:p>
+          <a:p>
+            <a:r>
+              <a:rPr lang="en-GB" sz="1200" dirty="0"/>
+              <a:t>Ransomware is the most prevalent malicious software in 2017</a:t>
+            </a:r>
+          </a:p>
+          <a:p>
+            <a:r>
+              <a:rPr lang="en-GB" sz="1200" dirty="0"/>
+              <a:t>that encrypts the files in a victim’s machine and demands money,</a:t>
+            </a:r>
+          </a:p>
+          <a:p>
+            <a:r>
+              <a:rPr lang="en-GB" sz="1200" dirty="0"/>
+              <a:t>i.e., ransom, for decrypting the files. The global damage cost and</a:t>
+            </a:r>
+          </a:p>
+          <a:p>
+            <a:r>
+              <a:rPr lang="en-GB" sz="1200" dirty="0"/>
+              <a:t>financial losses of individuals and organizations due to ransomware</a:t>
+            </a:r>
+          </a:p>
+          <a:p>
+            <a:r>
+              <a:rPr lang="en-GB" sz="1200" dirty="0"/>
+              <a:t>is increasing year by year.</a:t>
+            </a:r>
+            <a:endParaRPr lang="en-US" sz="1200" dirty="0"/>
+          </a:p>
+          <a:p>
+            <a:endParaRPr lang="he-IL" sz="1200" dirty="0"/>
+          </a:p>
+          <a:p>
+            <a:r>
+              <a:rPr lang="en-GB" sz="1200" dirty="0"/>
+              <a:t>In this section we review existing work, we noticed that we could divide the used techniques for detect ransomware few category:</a:t>
+            </a:r>
+          </a:p>
+          <a:p>
+            <a:r>
+              <a:rPr lang="en-GB" sz="1200" dirty="0"/>
+              <a:t>1. Detection by the hardware</a:t>
+            </a:r>
+          </a:p>
+          <a:p>
+            <a:r>
+              <a:rPr lang="en-GB" sz="1200" dirty="0"/>
+              <a:t>2. Detection by the dedicated software</a:t>
+            </a:r>
+          </a:p>
+          <a:p>
+            <a:r>
+              <a:rPr lang="en-GB" sz="1200" dirty="0"/>
+              <a:t>3. Detection by the internet traffic </a:t>
+            </a:r>
+          </a:p>
+          <a:p>
+            <a:r>
+              <a:rPr lang="en-GB" sz="1200" dirty="0"/>
+              <a:t>most The solutions based on Use of probability ratio according to different parameters</a:t>
+            </a:r>
+            <a:endParaRPr lang="en-US" sz="1200" dirty="0"/>
+          </a:p>
+          <a:p>
             <a:pPr algn="l">
               <a:defRPr/>
             </a:pPr>
-            <a:r>
-              <a:rPr lang="en-US" sz="1200" dirty="0">
-                <a:solidFill>
-                  <a:prstClr val="black"/>
-                </a:solidFill>
-                <a:latin typeface="Arial" pitchFamily="34" charset="0"/>
-                <a:ea typeface="Tahoma" pitchFamily="34" charset="0"/>
-                <a:cs typeface="Arial" pitchFamily="34" charset="0"/>
-              </a:rPr>
-              <a:t>4. Selected Approach</a:t>
-            </a:r>
             <a:endParaRPr lang="he-IL" sz="1200" dirty="0">
               <a:solidFill>
                 <a:prstClr val="black"/>
@@ -3346,8 +3447,8 @@
         </p:nvSpPr>
         <p:spPr>
           <a:xfrm>
-            <a:off x="166597" y="8671560"/>
-            <a:ext cx="6524805" cy="1198197"/>
+            <a:off x="166597" y="8609215"/>
+            <a:ext cx="6524805" cy="1260543"/>
           </a:xfrm>
           <a:prstGeom prst="roundRect">
             <a:avLst/>
@@ -3376,6 +3477,16 @@
               <a:defRPr/>
             </a:pPr>
             <a:r>
+              <a:rPr lang="en-US" sz="1600" b="1" u="sng" dirty="0"/>
+              <a:t>Our result</a:t>
+            </a:r>
+            <a:endParaRPr lang="en-GB" sz="1600" b="1" u="sng" dirty="0"/>
+          </a:p>
+          <a:p>
+            <a:pPr rtl="1">
+              <a:defRPr/>
+            </a:pPr>
+            <a:r>
               <a:rPr lang="en-US" sz="1200" dirty="0">
                 <a:solidFill>
                   <a:prstClr val="black"/>
@@ -3384,7 +3495,7 @@
                 <a:ea typeface="Tahoma" pitchFamily="34" charset="0"/>
                 <a:cs typeface="Arial" pitchFamily="34" charset="0"/>
               </a:rPr>
-              <a:t>I added basic code to </a:t>
+              <a:t>basic code to </a:t>
             </a:r>
             <a:r>
               <a:rPr lang="en-GB" sz="1200" dirty="0"/>
@@ -3399,7 +3510,7 @@
                 <a:ea typeface="Tahoma" pitchFamily="34" charset="0"/>
                 <a:cs typeface="Arial" pitchFamily="34" charset="0"/>
               </a:rPr>
-              <a:t> ransomware text attacks. (you can find it on GitHub) </a:t>
+              <a:t> ransomware text attacks added to my project</a:t>
             </a:r>
             <a:br>
               <a:rPr lang="en-US" sz="1200" dirty="0">
@@ -3420,7 +3531,16 @@
                 <a:ea typeface="Tahoma" pitchFamily="34" charset="0"/>
                 <a:cs typeface="Arial" pitchFamily="34" charset="0"/>
               </a:rPr>
-              <a:t>This code based on related work.</a:t>
+              <a:t>This code based on related work and </a:t>
+            </a:r>
+            <a:r>
+              <a:rPr lang="en-GB" sz="1200" dirty="0">
+                <a:solidFill>
+                  <a:srgbClr val="222222"/>
+                </a:solidFill>
+                <a:latin typeface="arial" panose="020B0604020202020204" pitchFamily="34" charset="0"/>
+              </a:rPr>
+              <a:t>Probability ratio for the file to be encrypted</a:t>
             </a:r>
             <a:br>
               <a:rPr lang="en-US" sz="1200" dirty="0">
@@ -3441,22 +3561,7 @@
                 <a:ea typeface="Tahoma" pitchFamily="34" charset="0"/>
                 <a:cs typeface="Arial" pitchFamily="34" charset="0"/>
               </a:rPr>
-              <a:t>The code work on Probability ratio that I learn from old research on </a:t>
-            </a:r>
-            <a:r>
-              <a:rPr lang="en-GB" sz="1200" dirty="0"/>
-              <a:t>Related</a:t>
-            </a:r>
-            <a:r>
-              <a:rPr lang="en-US" sz="1200" dirty="0">
-                <a:solidFill>
-                  <a:prstClr val="black"/>
-                </a:solidFill>
-                <a:latin typeface="Arial" pitchFamily="34" charset="0"/>
-                <a:ea typeface="Tahoma" pitchFamily="34" charset="0"/>
-                <a:cs typeface="Arial" pitchFamily="34" charset="0"/>
-              </a:rPr>
-              <a:t> work and on checking a lot of Encryption algorithms</a:t>
+              <a:t>The code work on  Identifying suspicious characters</a:t>
             </a:r>
           </a:p>
           <a:p>
@@ -3613,13 +3718,19 @@
         </p:nvSpPr>
         <p:spPr>
           <a:xfrm>
-            <a:off x="166597" y="1502749"/>
+            <a:off x="166596" y="1449969"/>
             <a:ext cx="2944177" cy="4029926"/>
           </a:xfrm>
           <a:prstGeom prst="roundRect">
             <a:avLst/>
           </a:prstGeom>
-          <a:ln w="38100"/>
+          <a:ln w="38100">
+            <a:solidFill>
+              <a:schemeClr val="accent1">
+                <a:lumMod val="75000"/>
+              </a:schemeClr>
+            </a:solidFill>
+          </a:ln>
         </p:spPr>
         <p:style>
           <a:lnRef idx="2">
@@ -3681,7 +3792,7 @@
             <a:pPr>
               <a:defRPr/>
             </a:pPr>
-            <a:endParaRPr lang="en-GB" sz="1200" dirty="0"/>
+            <a:endParaRPr lang="en-GB" sz="600" dirty="0"/>
           </a:p>
           <a:p>
             <a:pPr>
@@ -3853,77 +3964,6 @@
           </a:prstGeom>
         </p:spPr>
       </p:pic>
-      <p:sp>
-        <p:nvSpPr>
-          <p:cNvPr id="19" name="Rounded Rectangle 6">
-            <a:extLst>
-              <a:ext uri="{FF2B5EF4-FFF2-40B4-BE49-F238E27FC236}">
-                <a16:creationId xmlns:a16="http://schemas.microsoft.com/office/drawing/2014/main" id="{44D9DC55-D98B-4C69-9552-1821C557EBD5}"/>
-              </a:ext>
-            </a:extLst>
-          </p:cNvPr>
-          <p:cNvSpPr/>
-          <p:nvPr/>
-        </p:nvSpPr>
-        <p:spPr>
-          <a:xfrm>
-            <a:off x="3536508" y="5002000"/>
-            <a:ext cx="3115448" cy="1466925"/>
-          </a:xfrm>
-          <a:prstGeom prst="roundRect">
-            <a:avLst/>
-          </a:prstGeom>
-          <a:ln w="38100">
-            <a:solidFill>
-              <a:schemeClr val="accent1">
-                <a:lumMod val="75000"/>
-              </a:schemeClr>
-            </a:solidFill>
-          </a:ln>
-        </p:spPr>
-        <p:style>
-          <a:lnRef idx="2">
-            <a:schemeClr val="accent2"/>
-          </a:lnRef>
-          <a:fillRef idx="1">
-            <a:schemeClr val="lt1"/>
-          </a:fillRef>
-          <a:effectRef idx="0">
-            <a:schemeClr val="accent2"/>
-          </a:effectRef>
-          <a:fontRef idx="minor">
-            <a:schemeClr val="dk1"/>
-          </a:fontRef>
-        </p:style>
-        <p:txBody>
-          <a:bodyPr rtlCol="1" anchor="t"/>
-          <a:lstStyle/>
-          <a:p>
-            <a:pPr algn="l">
-              <a:defRPr/>
-            </a:pPr>
-            <a:r>
-              <a:rPr lang="en-US" sz="1200" dirty="0">
-                <a:solidFill>
-                  <a:prstClr val="black"/>
-                </a:solidFill>
-                <a:latin typeface="Arial" pitchFamily="34" charset="0"/>
-                <a:ea typeface="Tahoma" pitchFamily="34" charset="0"/>
-                <a:cs typeface="Arial" pitchFamily="34" charset="0"/>
-              </a:rPr>
-              <a:t>4. Selected Approach</a:t>
-            </a:r>
-            <a:endParaRPr lang="he-IL" sz="1200" dirty="0">
-              <a:solidFill>
-                <a:prstClr val="black"/>
-              </a:solidFill>
-              <a:latin typeface="Arial" pitchFamily="34" charset="0"/>
-              <a:ea typeface="Tahoma" pitchFamily="34" charset="0"/>
-              <a:cs typeface="Arial" pitchFamily="34" charset="0"/>
-            </a:endParaRPr>
-          </a:p>
-        </p:txBody>
-      </p:sp>
     </p:spTree>
     <p:extLst>
       <p:ext uri="{BB962C8B-B14F-4D97-AF65-F5344CB8AC3E}">

--- a/Poster/MyPoster.pptx
+++ b/Poster/MyPoster.pptx
@@ -3191,7 +3191,7 @@
           <a:p>
             <a:r>
               <a:rPr lang="en-GB" sz="1100" dirty="0"/>
-              <a:t>my goal is to detection ransomware attack</a:t>
+              <a:t>my goal is to detect a ransomware attack</a:t>
             </a:r>
             <a:endParaRPr lang="he-IL" sz="1100" dirty="0"/>
           </a:p>
@@ -3215,8 +3215,8 @@
         </p:nvSpPr>
         <p:spPr>
           <a:xfrm>
-            <a:off x="166596" y="5626273"/>
-            <a:ext cx="2944178" cy="2889258"/>
+            <a:off x="166595" y="5626273"/>
+            <a:ext cx="3051057" cy="2827000"/>
           </a:xfrm>
           <a:prstGeom prst="roundRect">
             <a:avLst/>
@@ -3259,8 +3259,20 @@
           </a:p>
           <a:p>
             <a:r>
+              <a:rPr lang="en-US" sz="1200" dirty="0"/>
+              <a:t>The researchers </a:t>
+            </a:r>
+            <a:r>
               <a:rPr lang="en-GB" sz="1200" dirty="0"/>
-              <a:t>article they used Bayesian network with 20 CPT that containing common scenarios to check in high </a:t>
+              <a:t>used Bayesian network with 20 CPT that contain common scenarios to check </a:t>
+            </a:r>
+            <a:r>
+              <a:rPr lang="en-US" sz="1200" dirty="0"/>
+              <a:t>the</a:t>
+            </a:r>
+            <a:r>
+              <a:rPr lang="en-GB" sz="1200" dirty="0"/>
+              <a:t> high </a:t>
             </a:r>
             <a:r>
               <a:rPr lang="en-GB" sz="1200" dirty="0">
@@ -3269,11 +3281,11 @@
                 </a:solidFill>
                 <a:latin typeface="arial" panose="020B0604020202020204" pitchFamily="34" charset="0"/>
               </a:rPr>
-              <a:t>Probability</a:t>
+              <a:t>probability</a:t>
             </a:r>
             <a:r>
               <a:rPr lang="en-GB" sz="1200" dirty="0"/>
-              <a:t> if we attacked</a:t>
+              <a:t> if we being attacked</a:t>
             </a:r>
           </a:p>
           <a:p>
@@ -3291,7 +3303,7 @@
           <a:p>
             <a:r>
               <a:rPr lang="en-GB" sz="1200" dirty="0"/>
-              <a:t>Cryptolock software based on 3 main Indicators : if file type is changed , Shannon Entropy when file is uncertainty , Copy source file and comparison (should be Totally equal)</a:t>
+              <a:t>Cryptolock software are based on 3 main Indicators: if the file type is changes, Shannon Entropy when the file is uncertain, copy source file and comparison (should be completely equal)</a:t>
             </a:r>
             <a:br>
               <a:rPr lang="en-US" sz="1200" dirty="0"/>
@@ -3368,7 +3380,7 @@
           <a:p>
             <a:r>
               <a:rPr lang="en-GB" sz="1200" dirty="0"/>
-              <a:t>that encrypts the files in a victim’s machine and demands money,</a:t>
+              <a:t>which encrypts the files on the victim’s machine and demands money,</a:t>
             </a:r>
           </a:p>
           <a:p>
@@ -3396,7 +3408,7 @@
           <a:p>
             <a:r>
               <a:rPr lang="en-GB" sz="1200" dirty="0"/>
-              <a:t>In this section we review existing work, we noticed that we could divide the used techniques for detect ransomware few category:</a:t>
+              <a:t>In this section we review existing work, we noticed that we can divide the techniques used for detect ransomware few category:</a:t>
             </a:r>
           </a:p>
           <a:p>
@@ -3420,7 +3432,7 @@
           <a:p>
             <a:r>
               <a:rPr lang="en-GB" sz="1200" dirty="0"/>
-              <a:t>most The solutions based on Use of probability ratio according to different parameters</a:t>
+              <a:t>most solutions are based on use of probability ratio according to different parameters</a:t>
             </a:r>
             <a:endParaRPr lang="en-US" sz="1200" dirty="0"/>
           </a:p>
@@ -3495,22 +3507,7 @@
                 <a:ea typeface="Tahoma" pitchFamily="34" charset="0"/>
                 <a:cs typeface="Arial" pitchFamily="34" charset="0"/>
               </a:rPr>
-              <a:t>basic code to </a:t>
-            </a:r>
-            <a:r>
-              <a:rPr lang="en-GB" sz="1200" dirty="0"/>
-              <a:t>detection</a:t>
-            </a:r>
-            <a:r>
-              <a:rPr lang="en-US" sz="1200" dirty="0">
-                <a:solidFill>
-                  <a:prstClr val="black"/>
-                </a:solidFill>
-                <a:latin typeface="Arial" pitchFamily="34" charset="0"/>
-                <a:ea typeface="Tahoma" pitchFamily="34" charset="0"/>
-                <a:cs typeface="Arial" pitchFamily="34" charset="0"/>
-              </a:rPr>
-              <a:t> ransomware text attacks added to my project</a:t>
+              <a:t>Basic code for detecting ransomware text attacks added to my project.</a:t>
             </a:r>
             <a:br>
               <a:rPr lang="en-US" sz="1200" dirty="0">
@@ -3531,7 +3528,18 @@
                 <a:ea typeface="Tahoma" pitchFamily="34" charset="0"/>
                 <a:cs typeface="Arial" pitchFamily="34" charset="0"/>
               </a:rPr>
-              <a:t>This code based on related work and </a:t>
+              <a:t>This code based on related work and the </a:t>
+            </a:r>
+            <a:r>
+              <a:rPr lang="en-GB" sz="1200" dirty="0">
+                <a:solidFill>
+                  <a:srgbClr val="222222"/>
+                </a:solidFill>
+                <a:latin typeface="arial" panose="020B0604020202020204" pitchFamily="34" charset="0"/>
+                <a:ea typeface="Tahoma" pitchFamily="34" charset="0"/>
+                <a:cs typeface="Arial" pitchFamily="34" charset="0"/>
+              </a:rPr>
+              <a:t>p</a:t>
             </a:r>
             <a:r>
               <a:rPr lang="en-GB" sz="1200" dirty="0">
@@ -3540,7 +3548,7 @@
                 </a:solidFill>
                 <a:latin typeface="arial" panose="020B0604020202020204" pitchFamily="34" charset="0"/>
               </a:rPr>
-              <a:t>Probability ratio for the file to be encrypted</a:t>
+              <a:t>robability ratio of the file being encrypted.</a:t>
             </a:r>
             <a:br>
               <a:rPr lang="en-US" sz="1200" dirty="0">
@@ -3561,7 +3569,7 @@
                 <a:ea typeface="Tahoma" pitchFamily="34" charset="0"/>
                 <a:cs typeface="Arial" pitchFamily="34" charset="0"/>
               </a:rPr>
-              <a:t>The code work on  Identifying suspicious characters</a:t>
+              <a:t>The code works on identifying suspicious characters.</a:t>
             </a:r>
           </a:p>
           <a:p>
@@ -3577,7 +3585,7 @@
                 <a:ea typeface="Tahoma" pitchFamily="34" charset="0"/>
                 <a:cs typeface="Arial" pitchFamily="34" charset="0"/>
               </a:rPr>
-              <a:t>My goal is to add ML to my code and learn him to detection Encryption algorithms </a:t>
+              <a:t>My goal is to add ML to my code and learn him to detection encryption algorithms </a:t>
             </a:r>
           </a:p>
           <a:p>
@@ -3719,7 +3727,7 @@
         <p:spPr>
           <a:xfrm>
             <a:off x="166596" y="1449969"/>
-            <a:ext cx="2944177" cy="4029926"/>
+            <a:ext cx="3051056" cy="4029926"/>
           </a:xfrm>
           <a:prstGeom prst="roundRect">
             <a:avLst/>
@@ -3770,13 +3778,15 @@
           <a:p>
             <a:r>
               <a:rPr lang="en-GB" sz="1200" dirty="0"/>
-              <a:t>ransomware is a type of malware that prevents users from accessing their system</a:t>
-            </a:r>
-          </a:p>
-          <a:p>
+              <a:t>R</a:t>
+            </a:r>
+            <a:r>
+              <a:rPr lang="en-GB" sz="1200"/>
+              <a:t>ansomware </a:t>
+            </a:r>
             <a:r>
               <a:rPr lang="en-GB" sz="1200" dirty="0"/>
-              <a:t>or personal les and demands ransom payment in order to regain access.</a:t>
+              <a:t>is a type of malware that prevents users from accessing their system, or personal les and demands ransom payment in order to regain access.</a:t>
             </a:r>
           </a:p>
           <a:p>
@@ -3800,7 +3810,7 @@
             </a:pPr>
             <a:r>
               <a:rPr lang="en-GB" sz="1200" dirty="0"/>
-              <a:t>operation in three ways: by blocking accessing to the computer, this form of ransomware is referred to as locker ransomware; by making user data unusable by means of employing encryption algorithms, referred to as crypto ransomware; and a combination of locker/crypto ransomware where a user is blocked from using their computer while their data is being encrypted. </a:t>
+              <a:t>operation in three ways: by blocking access to the computer, this form of ransomware is called “locker ransomware”; by making user data unusable by means of employing encryption algorithms, referred to as crypto ransomware; and a combination of locker/crypto ransomware where a user is blocked from using their computer while their data is being encrypted. </a:t>
             </a:r>
             <a:endParaRPr lang="he-IL" sz="1200" dirty="0"/>
           </a:p>

--- a/Poster/MyPoster.pptx
+++ b/Poster/MyPoster.pptx
@@ -3221,7 +3221,13 @@
           <a:prstGeom prst="roundRect">
             <a:avLst/>
           </a:prstGeom>
-          <a:ln w="38100"/>
+          <a:ln w="38100">
+            <a:solidFill>
+              <a:schemeClr val="accent1">
+                <a:lumMod val="75000"/>
+              </a:schemeClr>
+            </a:solidFill>
+          </a:ln>
         </p:spPr>
         <p:style>
           <a:lnRef idx="2">
@@ -3679,7 +3685,7 @@
         </p:nvSpPr>
         <p:spPr>
           <a:xfrm>
-            <a:off x="5940742" y="63607"/>
+            <a:off x="5808513" y="14869"/>
             <a:ext cx="750659" cy="209609"/>
           </a:xfrm>
           <a:prstGeom prst="rect">
@@ -3778,15 +3784,7 @@
           <a:p>
             <a:r>
               <a:rPr lang="en-GB" sz="1200" dirty="0"/>
-              <a:t>R</a:t>
-            </a:r>
-            <a:r>
-              <a:rPr lang="en-GB" sz="1200"/>
-              <a:t>ansomware </a:t>
-            </a:r>
-            <a:r>
-              <a:rPr lang="en-GB" sz="1200" dirty="0"/>
-              <a:t>is a type of malware that prevents users from accessing their system, or personal les and demands ransom payment in order to regain access.</a:t>
+              <a:t>Ransomware is a type of malware that prevents users from accessing their system, or personal les and demands ransom payment in order to regain access.</a:t>
             </a:r>
           </a:p>
           <a:p>
@@ -3827,14 +3825,13 @@
           </p:cNvPr>
           <p:cNvCxnSpPr>
             <a:cxnSpLocks/>
-            <a:endCxn id="4" idx="1"/>
           </p:cNvCxnSpPr>
           <p:nvPr/>
         </p:nvCxnSpPr>
         <p:spPr>
           <a:xfrm flipV="1">
-            <a:off x="5325077" y="657938"/>
-            <a:ext cx="615666" cy="364202"/>
+            <a:off x="5150244" y="786047"/>
+            <a:ext cx="359444" cy="236092"/>
           </a:xfrm>
           <a:prstGeom prst="straightConnector1">
             <a:avLst/>
@@ -3872,7 +3869,7 @@
         </p:nvSpPr>
         <p:spPr>
           <a:xfrm>
-            <a:off x="4083691" y="1022139"/>
+            <a:off x="3542725" y="1022139"/>
             <a:ext cx="2063385" cy="261610"/>
           </a:xfrm>
           <a:prstGeom prst="rect">
@@ -3966,8 +3963,8 @@
         </p:blipFill>
         <p:spPr>
           <a:xfrm>
-            <a:off x="5940743" y="282608"/>
-            <a:ext cx="750659" cy="750659"/>
+            <a:off x="5641198" y="159066"/>
+            <a:ext cx="1085291" cy="1085291"/>
           </a:xfrm>
           <a:prstGeom prst="rect">
             <a:avLst/>

--- a/Poster/MyPoster.pptx
+++ b/Poster/MyPoster.pptx
@@ -3216,7 +3216,7 @@
         <p:spPr>
           <a:xfrm>
             <a:off x="166595" y="5626273"/>
-            <a:ext cx="3051057" cy="2827000"/>
+            <a:ext cx="3051057" cy="2889258"/>
           </a:xfrm>
           <a:prstGeom prst="roundRect">
             <a:avLst/>

--- a/Poster/MyPoster.pptx
+++ b/Poster/MyPoster.pptx
@@ -3216,7 +3216,7 @@
         <p:spPr>
           <a:xfrm>
             <a:off x="166595" y="5626273"/>
-            <a:ext cx="3051057" cy="2889258"/>
+            <a:ext cx="3051057" cy="2827000"/>
           </a:xfrm>
           <a:prstGeom prst="roundRect">
             <a:avLst/>

--- a/Poster/MyPoster.pptx
+++ b/Poster/MyPoster.pptx
@@ -255,7 +255,7 @@
           <a:p>
             <a:fld id="{73EE89F4-C31D-45E3-BFAA-D8E8790DFB86}" type="datetimeFigureOut">
               <a:rPr lang="en-US" smtClean="0"/>
-              <a:t>6/17/2020</a:t>
+              <a:t>6/18/2020</a:t>
             </a:fld>
             <a:endParaRPr lang="en-US"/>
           </a:p>
@@ -425,7 +425,7 @@
           <a:p>
             <a:fld id="{73EE89F4-C31D-45E3-BFAA-D8E8790DFB86}" type="datetimeFigureOut">
               <a:rPr lang="en-US" smtClean="0"/>
-              <a:t>6/17/2020</a:t>
+              <a:t>6/18/2020</a:t>
             </a:fld>
             <a:endParaRPr lang="en-US"/>
           </a:p>
@@ -605,7 +605,7 @@
           <a:p>
             <a:fld id="{73EE89F4-C31D-45E3-BFAA-D8E8790DFB86}" type="datetimeFigureOut">
               <a:rPr lang="en-US" smtClean="0"/>
-              <a:t>6/17/2020</a:t>
+              <a:t>6/18/2020</a:t>
             </a:fld>
             <a:endParaRPr lang="en-US"/>
           </a:p>
@@ -775,7 +775,7 @@
           <a:p>
             <a:fld id="{73EE89F4-C31D-45E3-BFAA-D8E8790DFB86}" type="datetimeFigureOut">
               <a:rPr lang="en-US" smtClean="0"/>
-              <a:t>6/17/2020</a:t>
+              <a:t>6/18/2020</a:t>
             </a:fld>
             <a:endParaRPr lang="en-US"/>
           </a:p>
@@ -1019,7 +1019,7 @@
           <a:p>
             <a:fld id="{73EE89F4-C31D-45E3-BFAA-D8E8790DFB86}" type="datetimeFigureOut">
               <a:rPr lang="en-US" smtClean="0"/>
-              <a:t>6/17/2020</a:t>
+              <a:t>6/18/2020</a:t>
             </a:fld>
             <a:endParaRPr lang="en-US"/>
           </a:p>
@@ -1251,7 +1251,7 @@
           <a:p>
             <a:fld id="{73EE89F4-C31D-45E3-BFAA-D8E8790DFB86}" type="datetimeFigureOut">
               <a:rPr lang="en-US" smtClean="0"/>
-              <a:t>6/17/2020</a:t>
+              <a:t>6/18/2020</a:t>
             </a:fld>
             <a:endParaRPr lang="en-US"/>
           </a:p>
@@ -1618,7 +1618,7 @@
           <a:p>
             <a:fld id="{73EE89F4-C31D-45E3-BFAA-D8E8790DFB86}" type="datetimeFigureOut">
               <a:rPr lang="en-US" smtClean="0"/>
-              <a:t>6/17/2020</a:t>
+              <a:t>6/18/2020</a:t>
             </a:fld>
             <a:endParaRPr lang="en-US"/>
           </a:p>
@@ -1736,7 +1736,7 @@
           <a:p>
             <a:fld id="{73EE89F4-C31D-45E3-BFAA-D8E8790DFB86}" type="datetimeFigureOut">
               <a:rPr lang="en-US" smtClean="0"/>
-              <a:t>6/17/2020</a:t>
+              <a:t>6/18/2020</a:t>
             </a:fld>
             <a:endParaRPr lang="en-US"/>
           </a:p>
@@ -1831,7 +1831,7 @@
           <a:p>
             <a:fld id="{73EE89F4-C31D-45E3-BFAA-D8E8790DFB86}" type="datetimeFigureOut">
               <a:rPr lang="en-US" smtClean="0"/>
-              <a:t>6/17/2020</a:t>
+              <a:t>6/18/2020</a:t>
             </a:fld>
             <a:endParaRPr lang="en-US"/>
           </a:p>
@@ -2108,7 +2108,7 @@
           <a:p>
             <a:fld id="{73EE89F4-C31D-45E3-BFAA-D8E8790DFB86}" type="datetimeFigureOut">
               <a:rPr lang="en-US" smtClean="0"/>
-              <a:t>6/17/2020</a:t>
+              <a:t>6/18/2020</a:t>
             </a:fld>
             <a:endParaRPr lang="en-US"/>
           </a:p>
@@ -2365,7 +2365,7 @@
           <a:p>
             <a:fld id="{73EE89F4-C31D-45E3-BFAA-D8E8790DFB86}" type="datetimeFigureOut">
               <a:rPr lang="en-US" smtClean="0"/>
-              <a:t>6/17/2020</a:t>
+              <a:t>6/18/2020</a:t>
             </a:fld>
             <a:endParaRPr lang="en-US"/>
           </a:p>
@@ -2578,7 +2578,7 @@
           <a:p>
             <a:fld id="{73EE89F4-C31D-45E3-BFAA-D8E8790DFB86}" type="datetimeFigureOut">
               <a:rPr lang="en-US" smtClean="0"/>
-              <a:t>6/17/2020</a:t>
+              <a:t>6/18/2020</a:t>
             </a:fld>
             <a:endParaRPr lang="en-US"/>
           </a:p>
@@ -2995,10 +2995,14 @@
         </p:nvSpPr>
         <p:spPr>
           <a:xfrm>
-            <a:off x="1" y="0"/>
-            <a:ext cx="6857999" cy="1283749"/>
+            <a:off x="1" y="1"/>
+            <a:ext cx="6857999" cy="1250066"/>
           </a:xfrm>
-          <a:ln/>
+          <a:ln>
+            <a:solidFill>
+              <a:srgbClr val="FF0000"/>
+            </a:solidFill>
+          </a:ln>
         </p:spPr>
         <p:style>
           <a:lnRef idx="2">
@@ -3082,14 +3086,22 @@
               </a:rPr>
             </a:br>
             <a:r>
+              <a:rPr lang="en-GB" sz="1307" b="1" dirty="0">
+                <a:solidFill>
+                  <a:schemeClr val="tx1"/>
+                </a:solidFill>
+                <a:cs typeface="Arial"/>
+              </a:rPr>
+              <a:t>Advisor : </a:t>
+            </a:r>
+            <a:r>
               <a:rPr lang="en-US" sz="1307" b="1" dirty="0">
                 <a:solidFill>
                   <a:schemeClr val="tx1"/>
                 </a:solidFill>
-                <a:latin typeface="Calibri"/>
                 <a:cs typeface="Arial"/>
               </a:rPr>
-              <a:t>Harel Berger and Dr. Amit Dvir</a:t>
+              <a:t>Dr. Amit Dvir and Harel Berger</a:t>
             </a:r>
             <a:br>
               <a:rPr lang="en-US" sz="1307" b="1" dirty="0">
@@ -3139,14 +3151,426 @@
       </p:sp>
       <p:sp>
         <p:nvSpPr>
-          <p:cNvPr id="12" name="Rounded Rectangle 6"/>
+          <p:cNvPr id="17" name="Rounded Rectangle 6"/>
           <p:cNvSpPr/>
           <p:nvPr/>
         </p:nvSpPr>
         <p:spPr>
           <a:xfrm>
-            <a:off x="3539365" y="1439775"/>
-            <a:ext cx="3152036" cy="1198198"/>
+            <a:off x="184789" y="5354927"/>
+            <a:ext cx="2907792" cy="2720569"/>
+          </a:xfrm>
+          <a:prstGeom prst="roundRect">
+            <a:avLst/>
+          </a:prstGeom>
+          <a:ln w="38100">
+            <a:solidFill>
+              <a:schemeClr val="accent1">
+                <a:lumMod val="75000"/>
+              </a:schemeClr>
+            </a:solidFill>
+          </a:ln>
+        </p:spPr>
+        <p:style>
+          <a:lnRef idx="2">
+            <a:schemeClr val="accent1"/>
+          </a:lnRef>
+          <a:fillRef idx="1">
+            <a:schemeClr val="lt1"/>
+          </a:fillRef>
+          <a:effectRef idx="0">
+            <a:schemeClr val="accent1"/>
+          </a:effectRef>
+          <a:fontRef idx="minor">
+            <a:schemeClr val="dk1"/>
+          </a:fontRef>
+        </p:style>
+        <p:txBody>
+          <a:bodyPr rtlCol="1" anchor="t"/>
+          <a:lstStyle/>
+          <a:p>
+            <a:r>
+              <a:rPr lang="en-GB" sz="1600" b="1" u="sng" dirty="0"/>
+              <a:t>Existing solutions </a:t>
+            </a:r>
+            <a:endParaRPr lang="he-IL" sz="1600" b="1" u="sng" dirty="0"/>
+          </a:p>
+          <a:p>
+            <a:r>
+              <a:rPr lang="en-GB" sz="1400" dirty="0"/>
+              <a:t>In this section, we review existing work.</a:t>
+            </a:r>
+            <a:br>
+              <a:rPr lang="en-GB" sz="1400" dirty="0"/>
+            </a:br>
+            <a:r>
+              <a:rPr lang="en-GB" sz="1400" dirty="0"/>
+              <a:t>We can divide the techniques used to detect ransomware few categories:</a:t>
+            </a:r>
+            <a:endParaRPr lang="he-IL" sz="1400" dirty="0"/>
+          </a:p>
+          <a:p>
+            <a:pPr marL="342900" indent="-342900">
+              <a:buAutoNum type="arabicPeriod"/>
+            </a:pPr>
+            <a:r>
+              <a:rPr lang="en-GB" sz="1400" dirty="0"/>
+              <a:t>Detection by the hardware.</a:t>
+            </a:r>
+            <a:endParaRPr lang="he-IL" sz="1400" dirty="0"/>
+          </a:p>
+          <a:p>
+            <a:pPr marL="342900" indent="-342900">
+              <a:buAutoNum type="arabicPeriod"/>
+            </a:pPr>
+            <a:r>
+              <a:rPr lang="en-GB" sz="1400" dirty="0"/>
+              <a:t>Detection by electricity use.</a:t>
+            </a:r>
+            <a:endParaRPr lang="he-IL" sz="1400" dirty="0"/>
+          </a:p>
+          <a:p>
+            <a:pPr marL="342900" indent="-342900">
+              <a:buAutoNum type="arabicPeriod"/>
+            </a:pPr>
+            <a:r>
+              <a:rPr lang="en-GB" sz="1400" dirty="0"/>
+              <a:t>Detection by internet traffic. </a:t>
+            </a:r>
+          </a:p>
+        </p:txBody>
+      </p:sp>
+      <p:sp>
+        <p:nvSpPr>
+          <p:cNvPr id="36" name="Rounded Rectangle 6"/>
+          <p:cNvSpPr/>
+          <p:nvPr/>
+        </p:nvSpPr>
+        <p:spPr>
+          <a:xfrm>
+            <a:off x="166597" y="8188195"/>
+            <a:ext cx="6524805" cy="1733364"/>
+          </a:xfrm>
+          <a:prstGeom prst="roundRect">
+            <a:avLst/>
+          </a:prstGeom>
+          <a:ln w="38100"/>
+        </p:spPr>
+        <p:style>
+          <a:lnRef idx="2">
+            <a:schemeClr val="accent3"/>
+          </a:lnRef>
+          <a:fillRef idx="1">
+            <a:schemeClr val="lt1"/>
+          </a:fillRef>
+          <a:effectRef idx="0">
+            <a:schemeClr val="accent3"/>
+          </a:effectRef>
+          <a:fontRef idx="minor">
+            <a:schemeClr val="dk1"/>
+          </a:fontRef>
+        </p:style>
+        <p:txBody>
+          <a:bodyPr rtlCol="1" anchor="t"/>
+          <a:lstStyle/>
+          <a:p>
+            <a:pPr rtl="1">
+              <a:defRPr/>
+            </a:pPr>
+            <a:r>
+              <a:rPr lang="en-US" sz="1600" b="1" u="sng" dirty="0"/>
+              <a:t>Text detecting result</a:t>
+            </a:r>
+            <a:endParaRPr lang="en-GB" sz="1600" b="1" u="sng" dirty="0"/>
+          </a:p>
+          <a:p>
+            <a:pPr>
+              <a:defRPr/>
+            </a:pPr>
+            <a:r>
+              <a:rPr lang="en-US" sz="1400" dirty="0">
+                <a:solidFill>
+                  <a:prstClr val="black"/>
+                </a:solidFill>
+                <a:latin typeface="Arial" pitchFamily="34" charset="0"/>
+                <a:ea typeface="Tahoma" pitchFamily="34" charset="0"/>
+                <a:cs typeface="Arial" pitchFamily="34" charset="0"/>
+              </a:rPr>
+              <a:t>Detecting ransomware text attack already on my project.</a:t>
+            </a:r>
+            <a:br>
+              <a:rPr lang="en-US" sz="1400" dirty="0">
+                <a:solidFill>
+                  <a:prstClr val="black"/>
+                </a:solidFill>
+                <a:latin typeface="Arial" pitchFamily="34" charset="0"/>
+                <a:ea typeface="Tahoma" pitchFamily="34" charset="0"/>
+                <a:cs typeface="Arial" pitchFamily="34" charset="0"/>
+              </a:rPr>
+            </a:br>
+            <a:r>
+              <a:rPr lang="en-US" sz="1400" dirty="0">
+                <a:solidFill>
+                  <a:prstClr val="black"/>
+                </a:solidFill>
+                <a:latin typeface="Arial" pitchFamily="34" charset="0"/>
+                <a:ea typeface="Tahoma" pitchFamily="34" charset="0"/>
+                <a:cs typeface="Arial" pitchFamily="34" charset="0"/>
+              </a:rPr>
+              <a:t>The code based on related work and the </a:t>
+            </a:r>
+            <a:r>
+              <a:rPr lang="en-GB" sz="1400" dirty="0">
+                <a:solidFill>
+                  <a:srgbClr val="222222"/>
+                </a:solidFill>
+                <a:latin typeface="arial" panose="020B0604020202020204" pitchFamily="34" charset="0"/>
+                <a:ea typeface="Tahoma" pitchFamily="34" charset="0"/>
+                <a:cs typeface="Arial" pitchFamily="34" charset="0"/>
+              </a:rPr>
+              <a:t>p</a:t>
+            </a:r>
+            <a:r>
+              <a:rPr lang="en-GB" sz="1400" dirty="0">
+                <a:solidFill>
+                  <a:srgbClr val="222222"/>
+                </a:solidFill>
+                <a:latin typeface="arial" panose="020B0604020202020204" pitchFamily="34" charset="0"/>
+              </a:rPr>
+              <a:t>robability ratio if the file is encrypted.</a:t>
+            </a:r>
+            <a:endParaRPr lang="he-IL" sz="1400" dirty="0">
+              <a:solidFill>
+                <a:srgbClr val="222222"/>
+              </a:solidFill>
+              <a:latin typeface="arial" panose="020B0604020202020204" pitchFamily="34" charset="0"/>
+            </a:endParaRPr>
+          </a:p>
+          <a:p>
+            <a:pPr>
+              <a:defRPr/>
+            </a:pPr>
+            <a:r>
+              <a:rPr lang="en-GB" sz="1400" dirty="0">
+                <a:solidFill>
+                  <a:srgbClr val="222222"/>
+                </a:solidFill>
+                <a:latin typeface="arial" panose="020B0604020202020204" pitchFamily="34" charset="0"/>
+              </a:rPr>
+              <a:t>The feature on my code:</a:t>
+            </a:r>
+          </a:p>
+          <a:p>
+            <a:pPr marL="342900" indent="-342900">
+              <a:buAutoNum type="arabicPeriod"/>
+              <a:defRPr/>
+            </a:pPr>
+            <a:r>
+              <a:rPr lang="en-GB" sz="1400" dirty="0">
+                <a:solidFill>
+                  <a:srgbClr val="222222"/>
+                </a:solidFill>
+                <a:latin typeface="arial" panose="020B0604020202020204" pitchFamily="34" charset="0"/>
+                <a:ea typeface="Tahoma" pitchFamily="34" charset="0"/>
+                <a:cs typeface="Arial" pitchFamily="34" charset="0"/>
+              </a:rPr>
+              <a:t>Real-time</a:t>
+            </a:r>
+            <a:r>
+              <a:rPr lang="he-IL" sz="1400" dirty="0">
+                <a:solidFill>
+                  <a:srgbClr val="222222"/>
+                </a:solidFill>
+                <a:latin typeface="arial" panose="020B0604020202020204" pitchFamily="34" charset="0"/>
+                <a:ea typeface="Tahoma" pitchFamily="34" charset="0"/>
+                <a:cs typeface="Arial" pitchFamily="34" charset="0"/>
+              </a:rPr>
+              <a:t>.</a:t>
+            </a:r>
+            <a:endParaRPr lang="en-GB" sz="1400" dirty="0">
+              <a:solidFill>
+                <a:srgbClr val="222222"/>
+              </a:solidFill>
+              <a:latin typeface="arial" panose="020B0604020202020204" pitchFamily="34" charset="0"/>
+              <a:ea typeface="Tahoma" pitchFamily="34" charset="0"/>
+              <a:cs typeface="Arial" pitchFamily="34" charset="0"/>
+            </a:endParaRPr>
+          </a:p>
+          <a:p>
+            <a:pPr marL="342900" indent="-342900">
+              <a:buAutoNum type="arabicPeriod"/>
+              <a:defRPr/>
+            </a:pPr>
+            <a:r>
+              <a:rPr lang="en-US" sz="1400" dirty="0">
+                <a:solidFill>
+                  <a:prstClr val="black"/>
+                </a:solidFill>
+                <a:latin typeface="Arial" pitchFamily="34" charset="0"/>
+                <a:ea typeface="Tahoma" pitchFamily="34" charset="0"/>
+                <a:cs typeface="Arial" pitchFamily="34" charset="0"/>
+              </a:rPr>
+              <a:t>Identifying suspicious characters.</a:t>
+            </a:r>
+            <a:br>
+              <a:rPr lang="en-US" sz="1400" dirty="0">
+                <a:solidFill>
+                  <a:prstClr val="black"/>
+                </a:solidFill>
+                <a:latin typeface="Arial" pitchFamily="34" charset="0"/>
+                <a:ea typeface="Tahoma" pitchFamily="34" charset="0"/>
+                <a:cs typeface="Arial" pitchFamily="34" charset="0"/>
+              </a:rPr>
+            </a:br>
+            <a:endParaRPr lang="en-US" sz="1400" dirty="0">
+              <a:solidFill>
+                <a:prstClr val="black"/>
+              </a:solidFill>
+              <a:latin typeface="Arial" pitchFamily="34" charset="0"/>
+              <a:ea typeface="Tahoma" pitchFamily="34" charset="0"/>
+              <a:cs typeface="Arial" pitchFamily="34" charset="0"/>
+            </a:endParaRPr>
+          </a:p>
+          <a:p>
+            <a:pPr rtl="1">
+              <a:defRPr/>
+            </a:pPr>
+            <a:r>
+              <a:rPr lang="en-US" sz="1200" dirty="0">
+                <a:solidFill>
+                  <a:prstClr val="black"/>
+                </a:solidFill>
+                <a:latin typeface="Arial" pitchFamily="34" charset="0"/>
+                <a:ea typeface="Tahoma" pitchFamily="34" charset="0"/>
+                <a:cs typeface="Arial" pitchFamily="34" charset="0"/>
+              </a:rPr>
+              <a:t> </a:t>
+            </a:r>
+          </a:p>
+          <a:p>
+            <a:pPr rtl="1">
+              <a:defRPr/>
+            </a:pPr>
+            <a:endParaRPr lang="en-US" sz="1200" dirty="0">
+              <a:solidFill>
+                <a:prstClr val="black"/>
+              </a:solidFill>
+              <a:latin typeface="Arial" pitchFamily="34" charset="0"/>
+              <a:ea typeface="Tahoma" pitchFamily="34" charset="0"/>
+              <a:cs typeface="Arial" pitchFamily="34" charset="0"/>
+            </a:endParaRPr>
+          </a:p>
+          <a:p>
+            <a:pPr rtl="1">
+              <a:defRPr/>
+            </a:pPr>
+            <a:endParaRPr lang="en-US" sz="1200" dirty="0">
+              <a:solidFill>
+                <a:prstClr val="black"/>
+              </a:solidFill>
+              <a:latin typeface="Arial" pitchFamily="34" charset="0"/>
+              <a:ea typeface="Tahoma" pitchFamily="34" charset="0"/>
+              <a:cs typeface="Arial" pitchFamily="34" charset="0"/>
+            </a:endParaRPr>
+          </a:p>
+          <a:p>
+            <a:pPr rtl="1">
+              <a:defRPr/>
+            </a:pPr>
+            <a:endParaRPr lang="en-US" sz="1200" dirty="0">
+              <a:solidFill>
+                <a:prstClr val="black"/>
+              </a:solidFill>
+              <a:latin typeface="Arial" pitchFamily="34" charset="0"/>
+              <a:ea typeface="Tahoma" pitchFamily="34" charset="0"/>
+              <a:cs typeface="Arial" pitchFamily="34" charset="0"/>
+            </a:endParaRPr>
+          </a:p>
+          <a:p>
+            <a:pPr rtl="1">
+              <a:defRPr/>
+            </a:pPr>
+            <a:endParaRPr lang="en-US" sz="1200" dirty="0">
+              <a:solidFill>
+                <a:prstClr val="black"/>
+              </a:solidFill>
+              <a:latin typeface="Arial" pitchFamily="34" charset="0"/>
+              <a:ea typeface="Tahoma" pitchFamily="34" charset="0"/>
+              <a:cs typeface="Arial" pitchFamily="34" charset="0"/>
+            </a:endParaRPr>
+          </a:p>
+          <a:p>
+            <a:pPr rtl="1">
+              <a:defRPr/>
+            </a:pPr>
+            <a:endParaRPr lang="he-IL" sz="1200" dirty="0">
+              <a:solidFill>
+                <a:prstClr val="black"/>
+              </a:solidFill>
+              <a:latin typeface="Arial" pitchFamily="34" charset="0"/>
+              <a:ea typeface="Tahoma" pitchFamily="34" charset="0"/>
+              <a:cs typeface="Arial" pitchFamily="34" charset="0"/>
+            </a:endParaRPr>
+          </a:p>
+        </p:txBody>
+      </p:sp>
+      <p:sp>
+        <p:nvSpPr>
+          <p:cNvPr id="13" name="TextBox 12"/>
+          <p:cNvSpPr txBox="1"/>
+          <p:nvPr/>
+        </p:nvSpPr>
+        <p:spPr>
+          <a:xfrm>
+            <a:off x="5808513" y="14869"/>
+            <a:ext cx="750659" cy="209609"/>
+          </a:xfrm>
+          <a:prstGeom prst="rect">
+            <a:avLst/>
+          </a:prstGeom>
+          <a:solidFill>
+            <a:srgbClr val="FFFFFF">
+              <a:alpha val="50196"/>
+            </a:srgbClr>
+          </a:solidFill>
+        </p:spPr>
+        <p:txBody>
+          <a:bodyPr wrap="square" rtlCol="1">
+            <a:spAutoFit/>
+          </a:bodyPr>
+          <a:lstStyle/>
+          <a:p>
+            <a:pPr algn="ctr"/>
+            <a:r>
+              <a:rPr lang="en-US" sz="762" dirty="0">
+                <a:latin typeface="Arial" pitchFamily="34" charset="0"/>
+                <a:cs typeface="Arial" pitchFamily="34" charset="0"/>
+              </a:rPr>
+              <a:t>Visit Us</a:t>
+            </a:r>
+            <a:endParaRPr lang="he-IL" sz="762" dirty="0">
+              <a:latin typeface="Arial" pitchFamily="34" charset="0"/>
+              <a:cs typeface="Arial" pitchFamily="34" charset="0"/>
+            </a:endParaRPr>
+          </a:p>
+        </p:txBody>
+      </p:sp>
+      <p:sp>
+        <p:nvSpPr>
+          <p:cNvPr id="18" name="Rounded Rectangle 6">
+            <a:extLst>
+              <a:ext uri="{FF2B5EF4-FFF2-40B4-BE49-F238E27FC236}">
+                <a16:creationId xmlns:a16="http://schemas.microsoft.com/office/drawing/2014/main" id="{833CA314-16B2-48AE-972C-270F5704890A}"/>
+              </a:ext>
+            </a:extLst>
+          </p:cNvPr>
+          <p:cNvSpPr/>
+          <p:nvPr/>
+        </p:nvSpPr>
+        <p:spPr>
+          <a:xfrm>
+            <a:off x="167795" y="1403423"/>
+            <a:ext cx="2909234" cy="3772343"/>
           </a:xfrm>
           <a:prstGeom prst="roundRect">
             <a:avLst/>
@@ -3177,593 +3601,6 @@
           <a:bodyPr rtlCol="1" anchor="t"/>
           <a:lstStyle/>
           <a:p>
-            <a:r>
-              <a:rPr lang="en-GB" sz="1600" b="1" u="sng" dirty="0"/>
-              <a:t>Motivation:</a:t>
-            </a:r>
-          </a:p>
-          <a:p>
-            <a:r>
-              <a:rPr lang="en-GB" sz="1100" dirty="0"/>
-              <a:t>The root of ransomware’s success lies in its highly profitable business model. Roughly 3% of US companies paid the ransom sum </a:t>
-            </a:r>
-          </a:p>
-          <a:p>
-            <a:r>
-              <a:rPr lang="en-GB" sz="1100" dirty="0"/>
-              <a:t>my goal is to detect a ransomware attack</a:t>
-            </a:r>
-            <a:endParaRPr lang="he-IL" sz="1100" dirty="0"/>
-          </a:p>
-          <a:p>
-            <a:endParaRPr lang="he-IL" sz="1100" dirty="0">
-              <a:solidFill>
-                <a:prstClr val="black"/>
-              </a:solidFill>
-              <a:latin typeface="Arial" pitchFamily="34" charset="0"/>
-              <a:ea typeface="Tahoma" pitchFamily="34" charset="0"/>
-              <a:cs typeface="Arial" pitchFamily="34" charset="0"/>
-            </a:endParaRPr>
-          </a:p>
-        </p:txBody>
-      </p:sp>
-      <p:sp>
-        <p:nvSpPr>
-          <p:cNvPr id="17" name="Rounded Rectangle 6"/>
-          <p:cNvSpPr/>
-          <p:nvPr/>
-        </p:nvSpPr>
-        <p:spPr>
-          <a:xfrm>
-            <a:off x="166595" y="5626273"/>
-            <a:ext cx="3051057" cy="2889258"/>
-          </a:xfrm>
-          <a:prstGeom prst="roundRect">
-            <a:avLst/>
-          </a:prstGeom>
-          <a:ln w="38100">
-            <a:solidFill>
-              <a:schemeClr val="accent1">
-                <a:lumMod val="75000"/>
-              </a:schemeClr>
-            </a:solidFill>
-          </a:ln>
-        </p:spPr>
-        <p:style>
-          <a:lnRef idx="2">
-            <a:schemeClr val="accent1"/>
-          </a:lnRef>
-          <a:fillRef idx="1">
-            <a:schemeClr val="lt1"/>
-          </a:fillRef>
-          <a:effectRef idx="0">
-            <a:schemeClr val="accent1"/>
-          </a:effectRef>
-          <a:fontRef idx="minor">
-            <a:schemeClr val="dk1"/>
-          </a:fontRef>
-        </p:style>
-        <p:txBody>
-          <a:bodyPr rtlCol="1" anchor="t"/>
-          <a:lstStyle/>
-          <a:p>
-            <a:r>
-              <a:rPr lang="en-GB" sz="1600" b="1" u="sng" dirty="0"/>
-              <a:t>Related work:</a:t>
-            </a:r>
-          </a:p>
-          <a:p>
-            <a:pPr algn="ctr"/>
-            <a:r>
-              <a:rPr lang="en-GB" sz="1200" b="1" u="sng" dirty="0"/>
-              <a:t>"2entFOX A Framework for High Survivable”</a:t>
-            </a:r>
-            <a:r>
-              <a:rPr lang="he-IL" sz="1200" b="1" u="sng" dirty="0"/>
-              <a:t> </a:t>
-            </a:r>
-          </a:p>
-          <a:p>
-            <a:r>
-              <a:rPr lang="en-US" sz="1200" dirty="0"/>
-              <a:t>The researchers </a:t>
-            </a:r>
-            <a:r>
-              <a:rPr lang="en-GB" sz="1200" dirty="0"/>
-              <a:t>used Bayesian network with 20 CPT that contain common scenarios to check </a:t>
-            </a:r>
-            <a:r>
-              <a:rPr lang="en-US" sz="1200" dirty="0"/>
-              <a:t>the</a:t>
-            </a:r>
-            <a:r>
-              <a:rPr lang="en-GB" sz="1200" dirty="0"/>
-              <a:t> high </a:t>
-            </a:r>
-            <a:r>
-              <a:rPr lang="en-GB" sz="1200" dirty="0">
-                <a:solidFill>
-                  <a:srgbClr val="222222"/>
-                </a:solidFill>
-                <a:latin typeface="arial" panose="020B0604020202020204" pitchFamily="34" charset="0"/>
-              </a:rPr>
-              <a:t>probability</a:t>
-            </a:r>
-            <a:r>
-              <a:rPr lang="en-GB" sz="1200" dirty="0"/>
-              <a:t> if we being attacked</a:t>
-            </a:r>
-          </a:p>
-          <a:p>
-            <a:pPr algn="ctr"/>
-            <a:r>
-              <a:rPr lang="en-GB" sz="1200" dirty="0"/>
-              <a:t> </a:t>
-            </a:r>
-            <a:r>
-              <a:rPr lang="en-GB" sz="1200" b="1" u="sng" dirty="0"/>
-              <a:t>"CryptoLock (and Drop It) Stopping Ransomware Attacks on User Data"</a:t>
-            </a:r>
-            <a:endParaRPr lang="he-IL" sz="1200" b="1" u="sng" dirty="0"/>
-          </a:p>
-          <a:p>
-            <a:r>
-              <a:rPr lang="en-GB" sz="1200" dirty="0"/>
-              <a:t>Cryptolock software are based on 3 main Indicators: if the file type is changes, Shannon Entropy when the file is uncertain, copy source file and comparison (should be completely equal)</a:t>
-            </a:r>
-            <a:br>
-              <a:rPr lang="en-US" sz="1200" dirty="0"/>
-            </a:br>
-            <a:r>
-              <a:rPr lang="he-IL" sz="1200" dirty="0"/>
-              <a:t> </a:t>
-            </a:r>
-            <a:r>
-              <a:rPr lang="en-US" sz="1200" dirty="0"/>
-              <a:t> </a:t>
-            </a:r>
-          </a:p>
-        </p:txBody>
-      </p:sp>
-      <p:sp>
-        <p:nvSpPr>
-          <p:cNvPr id="29" name="Rounded Rectangle 6"/>
-          <p:cNvSpPr/>
-          <p:nvPr/>
-        </p:nvSpPr>
-        <p:spPr>
-          <a:xfrm>
-            <a:off x="3575953" y="2731657"/>
-            <a:ext cx="3115448" cy="5783874"/>
-          </a:xfrm>
-          <a:prstGeom prst="roundRect">
-            <a:avLst/>
-          </a:prstGeom>
-          <a:ln w="38100">
-            <a:solidFill>
-              <a:schemeClr val="accent1">
-                <a:lumMod val="75000"/>
-              </a:schemeClr>
-            </a:solidFill>
-          </a:ln>
-        </p:spPr>
-        <p:style>
-          <a:lnRef idx="2">
-            <a:schemeClr val="accent2"/>
-          </a:lnRef>
-          <a:fillRef idx="1">
-            <a:schemeClr val="lt1"/>
-          </a:fillRef>
-          <a:effectRef idx="0">
-            <a:schemeClr val="accent2"/>
-          </a:effectRef>
-          <a:fontRef idx="minor">
-            <a:schemeClr val="dk1"/>
-          </a:fontRef>
-        </p:style>
-        <p:txBody>
-          <a:bodyPr rtlCol="1" anchor="t"/>
-          <a:lstStyle/>
-          <a:p>
-            <a:pPr>
-              <a:defRPr/>
-            </a:pPr>
-            <a:r>
-              <a:rPr lang="en-US" sz="1600" b="1" u="sng" dirty="0"/>
-              <a:t>Overview</a:t>
-            </a:r>
-            <a:r>
-              <a:rPr lang="en-US" b="1" u="sng" dirty="0"/>
-              <a:t>:</a:t>
-            </a:r>
-          </a:p>
-          <a:p>
-            <a:r>
-              <a:rPr lang="en-GB" sz="1200" dirty="0"/>
-              <a:t>Ransomware is the most prevalent malicious software in 2017</a:t>
-            </a:r>
-          </a:p>
-          <a:p>
-            <a:r>
-              <a:rPr lang="en-GB" sz="1200" dirty="0"/>
-              <a:t>which encrypts the files on the victim’s machine and demands money,</a:t>
-            </a:r>
-          </a:p>
-          <a:p>
-            <a:r>
-              <a:rPr lang="en-GB" sz="1200" dirty="0"/>
-              <a:t>i.e., ransom, for decrypting the files. The global damage cost and</a:t>
-            </a:r>
-          </a:p>
-          <a:p>
-            <a:r>
-              <a:rPr lang="en-GB" sz="1200" dirty="0"/>
-              <a:t>financial losses of individuals and organizations due to ransomware</a:t>
-            </a:r>
-          </a:p>
-          <a:p>
-            <a:r>
-              <a:rPr lang="en-GB" sz="1200" dirty="0"/>
-              <a:t>is increasing year by year.</a:t>
-            </a:r>
-            <a:endParaRPr lang="en-US" sz="1200" dirty="0"/>
-          </a:p>
-          <a:p>
-            <a:endParaRPr lang="he-IL" sz="1200" dirty="0"/>
-          </a:p>
-          <a:p>
-            <a:r>
-              <a:rPr lang="en-GB" sz="1200" dirty="0"/>
-              <a:t>In this section we review existing work, we noticed that we can divide the techniques used for detect ransomware few category:</a:t>
-            </a:r>
-          </a:p>
-          <a:p>
-            <a:r>
-              <a:rPr lang="en-GB" sz="1200" dirty="0"/>
-              <a:t>1. Detection by the hardware</a:t>
-            </a:r>
-          </a:p>
-          <a:p>
-            <a:r>
-              <a:rPr lang="en-GB" sz="1200" dirty="0"/>
-              <a:t>2. Detection by the dedicated software</a:t>
-            </a:r>
-          </a:p>
-          <a:p>
-            <a:r>
-              <a:rPr lang="en-GB" sz="1200" dirty="0"/>
-              <a:t>3. Detection by the internet traffic </a:t>
-            </a:r>
-          </a:p>
-          <a:p>
-            <a:r>
-              <a:rPr lang="en-GB" sz="1200" dirty="0"/>
-              <a:t>most solutions are based on use of probability ratio according to different parameters</a:t>
-            </a:r>
-            <a:endParaRPr lang="en-US" sz="1200" dirty="0"/>
-          </a:p>
-          <a:p>
-            <a:pPr algn="l">
-              <a:defRPr/>
-            </a:pPr>
-            <a:endParaRPr lang="he-IL" sz="1200" dirty="0">
-              <a:solidFill>
-                <a:prstClr val="black"/>
-              </a:solidFill>
-              <a:latin typeface="Arial" pitchFamily="34" charset="0"/>
-              <a:ea typeface="Tahoma" pitchFamily="34" charset="0"/>
-              <a:cs typeface="Arial" pitchFamily="34" charset="0"/>
-            </a:endParaRPr>
-          </a:p>
-        </p:txBody>
-      </p:sp>
-      <p:sp>
-        <p:nvSpPr>
-          <p:cNvPr id="36" name="Rounded Rectangle 6"/>
-          <p:cNvSpPr/>
-          <p:nvPr/>
-        </p:nvSpPr>
-        <p:spPr>
-          <a:xfrm>
-            <a:off x="166597" y="8609215"/>
-            <a:ext cx="6524805" cy="1260543"/>
-          </a:xfrm>
-          <a:prstGeom prst="roundRect">
-            <a:avLst/>
-          </a:prstGeom>
-          <a:ln w="38100"/>
-        </p:spPr>
-        <p:style>
-          <a:lnRef idx="2">
-            <a:schemeClr val="accent3"/>
-          </a:lnRef>
-          <a:fillRef idx="1">
-            <a:schemeClr val="lt1"/>
-          </a:fillRef>
-          <a:effectRef idx="0">
-            <a:schemeClr val="accent3"/>
-          </a:effectRef>
-          <a:fontRef idx="minor">
-            <a:schemeClr val="dk1"/>
-          </a:fontRef>
-        </p:style>
-        <p:txBody>
-          <a:bodyPr rtlCol="1" anchor="t"/>
-          <a:lstStyle/>
-          <a:p>
-            <a:pPr rtl="1">
-              <a:defRPr/>
-            </a:pPr>
-            <a:r>
-              <a:rPr lang="en-US" sz="1600" b="1" u="sng" dirty="0"/>
-              <a:t>Our result</a:t>
-            </a:r>
-            <a:endParaRPr lang="en-GB" sz="1600" b="1" u="sng" dirty="0"/>
-          </a:p>
-          <a:p>
-            <a:pPr rtl="1">
-              <a:defRPr/>
-            </a:pPr>
-            <a:r>
-              <a:rPr lang="en-US" sz="1200" dirty="0">
-                <a:solidFill>
-                  <a:prstClr val="black"/>
-                </a:solidFill>
-                <a:latin typeface="Arial" pitchFamily="34" charset="0"/>
-                <a:ea typeface="Tahoma" pitchFamily="34" charset="0"/>
-                <a:cs typeface="Arial" pitchFamily="34" charset="0"/>
-              </a:rPr>
-              <a:t>Basic code for detecting ransomware text attacks added to my project.</a:t>
-            </a:r>
-            <a:br>
-              <a:rPr lang="en-US" sz="1200" dirty="0">
-                <a:solidFill>
-                  <a:prstClr val="black"/>
-                </a:solidFill>
-                <a:latin typeface="Arial" pitchFamily="34" charset="0"/>
-                <a:ea typeface="Tahoma" pitchFamily="34" charset="0"/>
-                <a:cs typeface="Arial" pitchFamily="34" charset="0"/>
-              </a:rPr>
-            </a:br>
-            <a:r>
-              <a:rPr lang="en-US" sz="1200" dirty="0">
-                <a:solidFill>
-                  <a:prstClr val="black"/>
-                </a:solidFill>
-                <a:latin typeface="Arial" pitchFamily="34" charset="0"/>
-                <a:ea typeface="Tahoma" pitchFamily="34" charset="0"/>
-                <a:cs typeface="Arial" pitchFamily="34" charset="0"/>
-              </a:rPr>
-              <a:t>This code based on related work and the </a:t>
-            </a:r>
-            <a:r>
-              <a:rPr lang="en-GB" sz="1200" dirty="0">
-                <a:solidFill>
-                  <a:srgbClr val="222222"/>
-                </a:solidFill>
-                <a:latin typeface="arial" panose="020B0604020202020204" pitchFamily="34" charset="0"/>
-                <a:ea typeface="Tahoma" pitchFamily="34" charset="0"/>
-                <a:cs typeface="Arial" pitchFamily="34" charset="0"/>
-              </a:rPr>
-              <a:t>p</a:t>
-            </a:r>
-            <a:r>
-              <a:rPr lang="en-GB" sz="1200" dirty="0">
-                <a:solidFill>
-                  <a:srgbClr val="222222"/>
-                </a:solidFill>
-                <a:latin typeface="arial" panose="020B0604020202020204" pitchFamily="34" charset="0"/>
-              </a:rPr>
-              <a:t>robability ratio of the file being encrypted.</a:t>
-            </a:r>
-            <a:br>
-              <a:rPr lang="en-US" sz="1200" dirty="0">
-                <a:solidFill>
-                  <a:prstClr val="black"/>
-                </a:solidFill>
-                <a:latin typeface="Arial" pitchFamily="34" charset="0"/>
-                <a:ea typeface="Tahoma" pitchFamily="34" charset="0"/>
-                <a:cs typeface="Arial" pitchFamily="34" charset="0"/>
-              </a:rPr>
-            </a:br>
-            <a:r>
-              <a:rPr lang="en-US" sz="1200" dirty="0">
-                <a:solidFill>
-                  <a:prstClr val="black"/>
-                </a:solidFill>
-                <a:latin typeface="Arial" pitchFamily="34" charset="0"/>
-                <a:ea typeface="Tahoma" pitchFamily="34" charset="0"/>
-                <a:cs typeface="Arial" pitchFamily="34" charset="0"/>
-              </a:rPr>
-              <a:t>The code works on identifying suspicious characters.</a:t>
-            </a:r>
-          </a:p>
-          <a:p>
-            <a:pPr rtl="1">
-              <a:defRPr/>
-            </a:pPr>
-            <a:r>
-              <a:rPr lang="en-US" sz="1200" dirty="0">
-                <a:solidFill>
-                  <a:prstClr val="black"/>
-                </a:solidFill>
-                <a:latin typeface="Arial" pitchFamily="34" charset="0"/>
-                <a:ea typeface="Tahoma" pitchFamily="34" charset="0"/>
-                <a:cs typeface="Arial" pitchFamily="34" charset="0"/>
-              </a:rPr>
-              <a:t>My goal is to add ML to my code and learn him to detection encryption algorithms </a:t>
-            </a:r>
-          </a:p>
-          <a:p>
-            <a:pPr rtl="1">
-              <a:defRPr/>
-            </a:pPr>
-            <a:r>
-              <a:rPr lang="en-US" sz="1200" dirty="0">
-                <a:solidFill>
-                  <a:prstClr val="black"/>
-                </a:solidFill>
-                <a:latin typeface="Arial" pitchFamily="34" charset="0"/>
-                <a:ea typeface="Tahoma" pitchFamily="34" charset="0"/>
-                <a:cs typeface="Arial" pitchFamily="34" charset="0"/>
-              </a:rPr>
-              <a:t> </a:t>
-            </a:r>
-          </a:p>
-          <a:p>
-            <a:pPr rtl="1">
-              <a:defRPr/>
-            </a:pPr>
-            <a:endParaRPr lang="en-US" sz="1200" dirty="0">
-              <a:solidFill>
-                <a:prstClr val="black"/>
-              </a:solidFill>
-              <a:latin typeface="Arial" pitchFamily="34" charset="0"/>
-              <a:ea typeface="Tahoma" pitchFamily="34" charset="0"/>
-              <a:cs typeface="Arial" pitchFamily="34" charset="0"/>
-            </a:endParaRPr>
-          </a:p>
-          <a:p>
-            <a:pPr rtl="1">
-              <a:defRPr/>
-            </a:pPr>
-            <a:endParaRPr lang="en-US" sz="1200" dirty="0">
-              <a:solidFill>
-                <a:prstClr val="black"/>
-              </a:solidFill>
-              <a:latin typeface="Arial" pitchFamily="34" charset="0"/>
-              <a:ea typeface="Tahoma" pitchFamily="34" charset="0"/>
-              <a:cs typeface="Arial" pitchFamily="34" charset="0"/>
-            </a:endParaRPr>
-          </a:p>
-          <a:p>
-            <a:pPr rtl="1">
-              <a:defRPr/>
-            </a:pPr>
-            <a:endParaRPr lang="en-US" sz="1200" dirty="0">
-              <a:solidFill>
-                <a:prstClr val="black"/>
-              </a:solidFill>
-              <a:latin typeface="Arial" pitchFamily="34" charset="0"/>
-              <a:ea typeface="Tahoma" pitchFamily="34" charset="0"/>
-              <a:cs typeface="Arial" pitchFamily="34" charset="0"/>
-            </a:endParaRPr>
-          </a:p>
-          <a:p>
-            <a:pPr rtl="1">
-              <a:defRPr/>
-            </a:pPr>
-            <a:endParaRPr lang="en-US" sz="1200" dirty="0">
-              <a:solidFill>
-                <a:prstClr val="black"/>
-              </a:solidFill>
-              <a:latin typeface="Arial" pitchFamily="34" charset="0"/>
-              <a:ea typeface="Tahoma" pitchFamily="34" charset="0"/>
-              <a:cs typeface="Arial" pitchFamily="34" charset="0"/>
-            </a:endParaRPr>
-          </a:p>
-          <a:p>
-            <a:pPr rtl="1">
-              <a:defRPr/>
-            </a:pPr>
-            <a:endParaRPr lang="he-IL" sz="1200" dirty="0">
-              <a:solidFill>
-                <a:prstClr val="black"/>
-              </a:solidFill>
-              <a:latin typeface="Arial" pitchFamily="34" charset="0"/>
-              <a:ea typeface="Tahoma" pitchFamily="34" charset="0"/>
-              <a:cs typeface="Arial" pitchFamily="34" charset="0"/>
-            </a:endParaRPr>
-          </a:p>
-        </p:txBody>
-      </p:sp>
-      <p:sp>
-        <p:nvSpPr>
-          <p:cNvPr id="13" name="TextBox 12"/>
-          <p:cNvSpPr txBox="1"/>
-          <p:nvPr/>
-        </p:nvSpPr>
-        <p:spPr>
-          <a:xfrm>
-            <a:off x="5808513" y="14869"/>
-            <a:ext cx="750659" cy="209609"/>
-          </a:xfrm>
-          <a:prstGeom prst="rect">
-            <a:avLst/>
-          </a:prstGeom>
-          <a:solidFill>
-            <a:srgbClr val="FFFFFF">
-              <a:alpha val="50196"/>
-            </a:srgbClr>
-          </a:solidFill>
-        </p:spPr>
-        <p:txBody>
-          <a:bodyPr wrap="square" rtlCol="1">
-            <a:spAutoFit/>
-          </a:bodyPr>
-          <a:lstStyle/>
-          <a:p>
-            <a:pPr algn="ctr"/>
-            <a:r>
-              <a:rPr lang="en-US" sz="762" dirty="0">
-                <a:latin typeface="Arial" pitchFamily="34" charset="0"/>
-                <a:cs typeface="Arial" pitchFamily="34" charset="0"/>
-              </a:rPr>
-              <a:t>Visit Us</a:t>
-            </a:r>
-            <a:endParaRPr lang="he-IL" sz="762" dirty="0">
-              <a:latin typeface="Arial" pitchFamily="34" charset="0"/>
-              <a:cs typeface="Arial" pitchFamily="34" charset="0"/>
-            </a:endParaRPr>
-          </a:p>
-        </p:txBody>
-      </p:sp>
-      <p:sp>
-        <p:nvSpPr>
-          <p:cNvPr id="18" name="Rounded Rectangle 6">
-            <a:extLst>
-              <a:ext uri="{FF2B5EF4-FFF2-40B4-BE49-F238E27FC236}">
-                <a16:creationId xmlns:a16="http://schemas.microsoft.com/office/drawing/2014/main" id="{833CA314-16B2-48AE-972C-270F5704890A}"/>
-              </a:ext>
-            </a:extLst>
-          </p:cNvPr>
-          <p:cNvSpPr/>
-          <p:nvPr/>
-        </p:nvSpPr>
-        <p:spPr>
-          <a:xfrm>
-            <a:off x="166596" y="1449969"/>
-            <a:ext cx="3051056" cy="4029926"/>
-          </a:xfrm>
-          <a:prstGeom prst="roundRect">
-            <a:avLst/>
-          </a:prstGeom>
-          <a:ln w="38100">
-            <a:solidFill>
-              <a:schemeClr val="accent1">
-                <a:lumMod val="75000"/>
-              </a:schemeClr>
-            </a:solidFill>
-          </a:ln>
-        </p:spPr>
-        <p:style>
-          <a:lnRef idx="2">
-            <a:schemeClr val="accent5"/>
-          </a:lnRef>
-          <a:fillRef idx="1">
-            <a:schemeClr val="lt1"/>
-          </a:fillRef>
-          <a:effectRef idx="0">
-            <a:schemeClr val="accent5"/>
-          </a:effectRef>
-          <a:fontRef idx="minor">
-            <a:schemeClr val="dk1"/>
-          </a:fontRef>
-        </p:style>
-        <p:txBody>
-          <a:bodyPr rtlCol="1" anchor="t"/>
-          <a:lstStyle/>
-          <a:p>
             <a:pPr>
               <a:defRPr/>
             </a:pPr>
@@ -3783,8 +3620,34 @@
           </a:p>
           <a:p>
             <a:r>
-              <a:rPr lang="en-GB" sz="1200" dirty="0"/>
-              <a:t>Ransomware is a type of malware that prevents users from accessing their system, or personal les and demands ransom payment in order to regain access.</a:t>
+              <a:rPr lang="en-GB" sz="1400" dirty="0"/>
+              <a:t>Ransomware is a type of malware that prevents users from accessing their system or personal files. It demands a ransom payment to regain access.</a:t>
+            </a:r>
+          </a:p>
+          <a:p>
+            <a:r>
+              <a:rPr lang="en-GB" sz="1400" dirty="0"/>
+              <a:t>Operation in two ways:</a:t>
+            </a:r>
+          </a:p>
+          <a:p>
+            <a:pPr marL="228600" indent="-228600">
+              <a:buAutoNum type="arabicPeriod"/>
+              <a:defRPr/>
+            </a:pPr>
+            <a:r>
+              <a:rPr lang="en-GB" sz="1400" dirty="0"/>
+              <a:t>By is blocking access to the computer.</a:t>
+            </a:r>
+          </a:p>
+          <a:p>
+            <a:pPr marL="228600" indent="-228600">
+              <a:buAutoNum type="arabicPeriod"/>
+              <a:defRPr/>
+            </a:pPr>
+            <a:r>
+              <a:rPr lang="en-GB" sz="1400" dirty="0"/>
+              <a:t>By is making user data unusable using of employing encryption algorithms.</a:t>
             </a:r>
           </a:p>
           <a:p>
@@ -3792,23 +3655,18 @@
               <a:defRPr/>
             </a:pPr>
             <a:r>
-              <a:rPr lang="en-GB" sz="1200" dirty="0"/>
-              <a:t>ransomware attacks hinder computer </a:t>
-            </a:r>
+              <a:rPr lang="en-GB" sz="1400" b="1" u="sng" dirty="0"/>
+              <a:t>My goal is to detect a ransomware attack at maximum speed and accuracy. </a:t>
+            </a:r>
+            <a:endParaRPr lang="he-IL" sz="1400" b="1" u="sng" dirty="0"/>
           </a:p>
           <a:p>
             <a:pPr>
               <a:defRPr/>
             </a:pPr>
-            <a:endParaRPr lang="en-GB" sz="600" dirty="0"/>
-          </a:p>
-          <a:p>
-            <a:pPr>
-              <a:defRPr/>
-            </a:pPr>
             <a:r>
               <a:rPr lang="en-GB" sz="1200" dirty="0"/>
-              <a:t>operation in three ways: by blocking access to the computer, this form of ransomware is called “locker ransomware”; by making user data unusable by means of employing encryption algorithms, referred to as crypto ransomware; and a combination of locker/crypto ransomware where a user is blocked from using their computer while their data is being encrypted. </a:t>
+              <a:t> </a:t>
             </a:r>
             <a:endParaRPr lang="he-IL" sz="1200" dirty="0"/>
           </a:p>
@@ -3829,9 +3687,9 @@
           <p:nvPr/>
         </p:nvCxnSpPr>
         <p:spPr>
-          <a:xfrm flipV="1">
-            <a:off x="5150244" y="786047"/>
-            <a:ext cx="359444" cy="236092"/>
+          <a:xfrm>
+            <a:off x="5188542" y="354882"/>
+            <a:ext cx="452654" cy="237242"/>
           </a:xfrm>
           <a:prstGeom prst="straightConnector1">
             <a:avLst/>
@@ -3869,7 +3727,7 @@
         </p:nvSpPr>
         <p:spPr>
           <a:xfrm>
-            <a:off x="3542725" y="1022139"/>
+            <a:off x="3577811" y="14869"/>
             <a:ext cx="2063385" cy="261610"/>
           </a:xfrm>
           <a:prstGeom prst="rect">
@@ -3971,6 +3829,237 @@
           </a:prstGeom>
         </p:spPr>
       </p:pic>
+      <p:sp>
+        <p:nvSpPr>
+          <p:cNvPr id="14" name="Rounded Rectangle 6">
+            <a:extLst>
+              <a:ext uri="{FF2B5EF4-FFF2-40B4-BE49-F238E27FC236}">
+                <a16:creationId xmlns:a16="http://schemas.microsoft.com/office/drawing/2014/main" id="{B520FFBA-04DE-496B-8DD8-CFCADF983A18}"/>
+              </a:ext>
+            </a:extLst>
+          </p:cNvPr>
+          <p:cNvSpPr/>
+          <p:nvPr/>
+        </p:nvSpPr>
+        <p:spPr>
+          <a:xfrm>
+            <a:off x="3478546" y="1403422"/>
+            <a:ext cx="2907792" cy="2879951"/>
+          </a:xfrm>
+          <a:prstGeom prst="roundRect">
+            <a:avLst/>
+          </a:prstGeom>
+          <a:ln w="38100">
+            <a:solidFill>
+              <a:schemeClr val="accent1">
+                <a:lumMod val="75000"/>
+              </a:schemeClr>
+            </a:solidFill>
+          </a:ln>
+        </p:spPr>
+        <p:style>
+          <a:lnRef idx="2">
+            <a:schemeClr val="accent2"/>
+          </a:lnRef>
+          <a:fillRef idx="1">
+            <a:schemeClr val="lt1"/>
+          </a:fillRef>
+          <a:effectRef idx="0">
+            <a:schemeClr val="accent2"/>
+          </a:effectRef>
+          <a:fontRef idx="minor">
+            <a:schemeClr val="dk1"/>
+          </a:fontRef>
+        </p:style>
+        <p:txBody>
+          <a:bodyPr rtlCol="1" anchor="t"/>
+          <a:lstStyle/>
+          <a:p>
+            <a:pPr>
+              <a:defRPr/>
+            </a:pPr>
+            <a:r>
+              <a:rPr lang="en-US" sz="1600" b="1" u="sng" dirty="0"/>
+              <a:t>Suggested method</a:t>
+            </a:r>
+            <a:r>
+              <a:rPr lang="en-US" b="1" u="sng" dirty="0"/>
+              <a:t>:</a:t>
+            </a:r>
+            <a:endParaRPr lang="he-IL" b="1" u="sng" dirty="0"/>
+          </a:p>
+          <a:p>
+            <a:pPr>
+              <a:defRPr/>
+            </a:pPr>
+            <a:r>
+              <a:rPr lang="en-GB" sz="1400" dirty="0"/>
+              <a:t>My methodology target is to make software that</a:t>
+            </a:r>
+            <a:endParaRPr lang="he-IL" sz="1400" dirty="0"/>
+          </a:p>
+          <a:p>
+            <a:pPr>
+              <a:defRPr/>
+            </a:pPr>
+            <a:r>
+              <a:rPr lang="en-GB" sz="1400" b="1" u="sng" dirty="0"/>
+              <a:t>detect</a:t>
+            </a:r>
+            <a:r>
+              <a:rPr lang="en-US" sz="1400" b="1" u="sng" dirty="0"/>
+              <a:t>s</a:t>
+            </a:r>
+            <a:r>
+              <a:rPr lang="en-GB" sz="1400" b="1" u="sng" dirty="0"/>
+              <a:t> most of the type files that encrypted  in real-time</a:t>
+            </a:r>
+            <a:r>
+              <a:rPr lang="en-GB" sz="1400" dirty="0"/>
+              <a:t>, </a:t>
+            </a:r>
+            <a:endParaRPr lang="he-IL" sz="1400" dirty="0"/>
+          </a:p>
+          <a:p>
+            <a:pPr>
+              <a:defRPr/>
+            </a:pPr>
+            <a:r>
+              <a:rPr lang="en-GB" sz="1400" dirty="0"/>
+              <a:t>base on:</a:t>
+            </a:r>
+          </a:p>
+          <a:p>
+            <a:pPr marL="342900" indent="-342900">
+              <a:buAutoNum type="arabicPeriod"/>
+              <a:defRPr/>
+            </a:pPr>
+            <a:r>
+              <a:rPr lang="en-GB" sz="1400" dirty="0"/>
+              <a:t>Real-time flag.</a:t>
+            </a:r>
+          </a:p>
+          <a:p>
+            <a:pPr marL="342900" indent="-342900">
+              <a:buAutoNum type="arabicPeriod"/>
+              <a:defRPr/>
+            </a:pPr>
+            <a:r>
+              <a:rPr lang="en-GB" sz="1400" dirty="0"/>
+              <a:t>Deep Learning Algorithm.</a:t>
+            </a:r>
+          </a:p>
+          <a:p>
+            <a:pPr>
+              <a:defRPr/>
+            </a:pPr>
+            <a:br>
+              <a:rPr lang="en-GB" sz="1400" dirty="0"/>
+            </a:br>
+            <a:endParaRPr lang="en-US" sz="1400" dirty="0"/>
+          </a:p>
+          <a:p>
+            <a:pPr>
+              <a:defRPr/>
+            </a:pPr>
+            <a:endParaRPr lang="en-US" sz="1600" dirty="0"/>
+          </a:p>
+          <a:p>
+            <a:pPr algn="l">
+              <a:defRPr/>
+            </a:pPr>
+            <a:r>
+              <a:rPr lang="en-GB" sz="1200" dirty="0">
+                <a:solidFill>
+                  <a:prstClr val="black"/>
+                </a:solidFill>
+                <a:latin typeface="Arial" pitchFamily="34" charset="0"/>
+                <a:ea typeface="Tahoma" pitchFamily="34" charset="0"/>
+                <a:cs typeface="Arial" pitchFamily="34" charset="0"/>
+              </a:rPr>
+              <a:t> </a:t>
+            </a:r>
+            <a:endParaRPr lang="he-IL" sz="1200" dirty="0">
+              <a:solidFill>
+                <a:prstClr val="black"/>
+              </a:solidFill>
+              <a:latin typeface="Arial" pitchFamily="34" charset="0"/>
+              <a:ea typeface="Tahoma" pitchFamily="34" charset="0"/>
+              <a:cs typeface="Arial" pitchFamily="34" charset="0"/>
+            </a:endParaRPr>
+          </a:p>
+        </p:txBody>
+      </p:sp>
+      <p:pic>
+        <p:nvPicPr>
+          <p:cNvPr id="6" name="תמונה 5">
+            <a:extLst>
+              <a:ext uri="{FF2B5EF4-FFF2-40B4-BE49-F238E27FC236}">
+                <a16:creationId xmlns:a16="http://schemas.microsoft.com/office/drawing/2014/main" id="{28BCA535-E9B4-4457-A7E0-D0D3BC19AE9A}"/>
+              </a:ext>
+            </a:extLst>
+          </p:cNvPr>
+          <p:cNvPicPr>
+            <a:picLocks noChangeAspect="1"/>
+          </p:cNvPicPr>
+          <p:nvPr/>
+        </p:nvPicPr>
+        <p:blipFill>
+          <a:blip r:embed="rId4"/>
+          <a:stretch>
+            <a:fillRect/>
+          </a:stretch>
+        </p:blipFill>
+        <p:spPr>
+          <a:xfrm>
+            <a:off x="3478546" y="5256961"/>
+            <a:ext cx="2907792" cy="2635362"/>
+          </a:xfrm>
+          <a:prstGeom prst="rect">
+            <a:avLst/>
+          </a:prstGeom>
+        </p:spPr>
+      </p:pic>
+      <p:sp>
+        <p:nvSpPr>
+          <p:cNvPr id="15" name="תיבת טקסט 14">
+            <a:extLst>
+              <a:ext uri="{FF2B5EF4-FFF2-40B4-BE49-F238E27FC236}">
+                <a16:creationId xmlns:a16="http://schemas.microsoft.com/office/drawing/2014/main" id="{AA2B016A-FC8C-463B-98B6-3DF1DD2B6FBA}"/>
+              </a:ext>
+            </a:extLst>
+          </p:cNvPr>
+          <p:cNvSpPr txBox="1"/>
+          <p:nvPr/>
+        </p:nvSpPr>
+        <p:spPr>
+          <a:xfrm>
+            <a:off x="3429001" y="4848111"/>
+            <a:ext cx="2907792" cy="584775"/>
+          </a:xfrm>
+          <a:prstGeom prst="rect">
+            <a:avLst/>
+          </a:prstGeom>
+          <a:noFill/>
+        </p:spPr>
+        <p:txBody>
+          <a:bodyPr wrap="square" rtlCol="0">
+            <a:spAutoFit/>
+          </a:bodyPr>
+          <a:lstStyle/>
+          <a:p>
+            <a:pPr algn="ctr"/>
+            <a:r>
+              <a:rPr lang="en-GB" sz="1600" b="1" u="sng" dirty="0">
+                <a:solidFill>
+                  <a:srgbClr val="FF0000"/>
+                </a:solidFill>
+              </a:rPr>
+              <a:t>Ransomware message example:</a:t>
+            </a:r>
+          </a:p>
+        </p:txBody>
+      </p:sp>
     </p:spTree>
     <p:extLst>
       <p:ext uri="{BB962C8B-B14F-4D97-AF65-F5344CB8AC3E}">
